--- a/SongSimilarityRetrieval.pptx
+++ b/SongSimilarityRetrieval.pptx
@@ -5,7 +5,7 @@
     <p:sldMasterId id="2147483659" r:id="rId1"/>
   </p:sldMasterIdLst>
   <p:notesMasterIdLst>
-    <p:notesMasterId r:id="rId13"/>
+    <p:notesMasterId r:id="rId14"/>
   </p:notesMasterIdLst>
   <p:sldIdLst>
     <p:sldId id="256" r:id="rId2"/>
@@ -16,9 +16,10 @@
     <p:sldId id="263" r:id="rId7"/>
     <p:sldId id="270" r:id="rId8"/>
     <p:sldId id="272" r:id="rId9"/>
-    <p:sldId id="262" r:id="rId10"/>
-    <p:sldId id="271" r:id="rId11"/>
-    <p:sldId id="269" r:id="rId12"/>
+    <p:sldId id="274" r:id="rId10"/>
+    <p:sldId id="262" r:id="rId11"/>
+    <p:sldId id="271" r:id="rId12"/>
+    <p:sldId id="269" r:id="rId13"/>
   </p:sldIdLst>
   <p:sldSz cx="9144000" cy="5143500" type="screen16x9"/>
   <p:notesSz cx="6858000" cy="9144000"/>
@@ -820,6 +821,115 @@
   <p:cSld>
     <p:spTree>
       <p:nvGrpSpPr>
+        <p:cNvPr id="1" name="Shape 100"/>
+        <p:cNvGrpSpPr/>
+        <p:nvPr/>
+      </p:nvGrpSpPr>
+      <p:grpSpPr>
+        <a:xfrm>
+          <a:off x="0" y="0"/>
+          <a:ext cx="0" cy="0"/>
+          <a:chOff x="0" y="0"/>
+          <a:chExt cx="0" cy="0"/>
+        </a:xfrm>
+      </p:grpSpPr>
+      <p:sp>
+        <p:nvSpPr>
+          <p:cNvPr id="101" name="Google Shape;101;g2e85d2e027b_0_175:notes"/>
+          <p:cNvSpPr>
+            <a:spLocks noGrp="1" noRot="1" noChangeAspect="1"/>
+          </p:cNvSpPr>
+          <p:nvPr>
+            <p:ph type="sldImg" idx="2"/>
+          </p:nvPr>
+        </p:nvSpPr>
+        <p:spPr>
+          <a:xfrm>
+            <a:off x="381000" y="685800"/>
+            <a:ext cx="6096000" cy="3429000"/>
+          </a:xfrm>
+          <a:custGeom>
+            <a:avLst/>
+            <a:gdLst/>
+            <a:ahLst/>
+            <a:cxnLst/>
+            <a:rect l="l" t="t" r="r" b="b"/>
+            <a:pathLst>
+              <a:path w="120000" h="120000" extrusionOk="0">
+                <a:moveTo>
+                  <a:pt x="0" y="0"/>
+                </a:moveTo>
+                <a:lnTo>
+                  <a:pt x="120000" y="0"/>
+                </a:lnTo>
+                <a:lnTo>
+                  <a:pt x="120000" y="120000"/>
+                </a:lnTo>
+                <a:lnTo>
+                  <a:pt x="0" y="120000"/>
+                </a:lnTo>
+                <a:close/>
+              </a:path>
+            </a:pathLst>
+          </a:custGeom>
+        </p:spPr>
+      </p:sp>
+      <p:sp>
+        <p:nvSpPr>
+          <p:cNvPr id="102" name="Google Shape;102;g2e85d2e027b_0_175:notes"/>
+          <p:cNvSpPr txBox="1">
+            <a:spLocks noGrp="1"/>
+          </p:cNvSpPr>
+          <p:nvPr>
+            <p:ph type="body" idx="1"/>
+          </p:nvPr>
+        </p:nvSpPr>
+        <p:spPr>
+          <a:xfrm>
+            <a:off x="685800" y="4343400"/>
+            <a:ext cx="5486400" cy="4114800"/>
+          </a:xfrm>
+          <a:prstGeom prst="rect">
+            <a:avLst/>
+          </a:prstGeom>
+        </p:spPr>
+        <p:txBody>
+          <a:bodyPr spcFirstLastPara="1" wrap="square" lIns="91425" tIns="91425" rIns="91425" bIns="91425" anchor="t" anchorCtr="0">
+            <a:noAutofit/>
+          </a:bodyPr>
+          <a:lstStyle/>
+          <a:p>
+            <a:pPr marL="0" lvl="0" indent="0" algn="l" rtl="0">
+              <a:spcBef>
+                <a:spcPts val="0"/>
+              </a:spcBef>
+              <a:spcAft>
+                <a:spcPts val="0"/>
+              </a:spcAft>
+              <a:buNone/>
+            </a:pPr>
+            <a:endParaRPr/>
+          </a:p>
+        </p:txBody>
+      </p:sp>
+    </p:spTree>
+    <p:extLst>
+      <p:ext uri="{BB962C8B-B14F-4D97-AF65-F5344CB8AC3E}">
+        <p14:creationId xmlns:p14="http://schemas.microsoft.com/office/powerpoint/2010/main" val="1717801984"/>
+      </p:ext>
+    </p:extLst>
+  </p:cSld>
+  <p:clrMapOvr>
+    <a:masterClrMapping/>
+  </p:clrMapOvr>
+</p:notes>
+</file>
+
+<file path=ppt/notesSlides/notesSlide11.xml><?xml version="1.0" encoding="utf-8"?>
+<p:notes xmlns:a="http://schemas.openxmlformats.org/drawingml/2006/main" xmlns:r="http://schemas.openxmlformats.org/officeDocument/2006/relationships" xmlns:p="http://schemas.openxmlformats.org/presentationml/2006/main" showMasterSp="0" showMasterPhAnim="0">
+  <p:cSld>
+    <p:spTree>
+      <p:nvGrpSpPr>
         <p:cNvPr id="1" name="Shape 163"/>
         <p:cNvGrpSpPr/>
         <p:nvPr/>
@@ -1558,7 +1668,7 @@
   <p:cSld>
     <p:spTree>
       <p:nvGrpSpPr>
-        <p:cNvPr id="1" name="Shape 100"/>
+        <p:cNvPr id="1" name="Shape 128"/>
         <p:cNvGrpSpPr/>
         <p:nvPr/>
       </p:nvGrpSpPr>
@@ -1572,7 +1682,7 @@
       </p:grpSpPr>
       <p:sp>
         <p:nvSpPr>
-          <p:cNvPr id="101" name="Google Shape;101;g2e85d2e027b_0_175:notes"/>
+          <p:cNvPr id="129" name="Google Shape;129;g2e85d2e027b_0_239:notes"/>
           <p:cNvSpPr>
             <a:spLocks noGrp="1" noRot="1" noChangeAspect="1"/>
           </p:cNvSpPr>
@@ -1613,7 +1723,7 @@
       </p:sp>
       <p:sp>
         <p:nvSpPr>
-          <p:cNvPr id="102" name="Google Shape;102;g2e85d2e027b_0_175:notes"/>
+          <p:cNvPr id="130" name="Google Shape;130;g2e85d2e027b_0_239:notes"/>
           <p:cNvSpPr txBox="1">
             <a:spLocks noGrp="1"/>
           </p:cNvSpPr>
@@ -1650,6 +1760,11 @@
         </p:txBody>
       </p:sp>
     </p:spTree>
+    <p:extLst>
+      <p:ext uri="{BB962C8B-B14F-4D97-AF65-F5344CB8AC3E}">
+        <p14:creationId xmlns:p14="http://schemas.microsoft.com/office/powerpoint/2010/main" val="2048016264"/>
+      </p:ext>
+    </p:extLst>
   </p:cSld>
   <p:clrMapOvr>
     <a:masterClrMapping/>
@@ -1754,11 +1869,6 @@
         </p:txBody>
       </p:sp>
     </p:spTree>
-    <p:extLst>
-      <p:ext uri="{BB962C8B-B14F-4D97-AF65-F5344CB8AC3E}">
-        <p14:creationId xmlns:p14="http://schemas.microsoft.com/office/powerpoint/2010/main" val="1717801984"/>
-      </p:ext>
-    </p:extLst>
   </p:cSld>
   <p:clrMapOvr>
     <a:masterClrMapping/>
@@ -6875,7 +6985,7 @@
             </a:pPr>
             <a:r>
               <a:rPr lang="en" dirty="0"/>
-              <a:t>Experiments</a:t>
+              <a:t>Autoencoder</a:t>
             </a:r>
             <a:endParaRPr dirty="0"/>
           </a:p>
@@ -6894,7 +7004,7 @@
         <p:spPr>
           <a:xfrm>
             <a:off x="468350" y="907824"/>
-            <a:ext cx="6482575" cy="1722949"/>
+            <a:ext cx="6482575" cy="1856405"/>
           </a:xfrm>
           <a:prstGeom prst="rect">
             <a:avLst/>
@@ -6908,7 +7018,7 @@
           <a:p>
             <a:pPr marL="169228" lvl="0" indent="0" algn="l" rtl="0">
               <a:lnSpc>
-                <a:spcPct val="100000"/>
+                <a:spcPct val="200000"/>
               </a:lnSpc>
               <a:spcBef>
                 <a:spcPts val="0"/>
@@ -6928,29 +7038,21 @@
                   <a:schemeClr val="dk1"/>
                 </a:solidFill>
               </a:rPr>
-              <a:t>Evaluation difficult to </a:t>
+              <a:t>Input: </a:t>
             </a:r>
             <a:r>
-              <a:rPr lang="en-US" sz="1050" b="1" dirty="0" err="1">
+              <a:rPr lang="en-US" sz="1050" dirty="0">
                 <a:solidFill>
                   <a:schemeClr val="dk1"/>
                 </a:solidFill>
               </a:rPr>
-              <a:t>quantisize</a:t>
-            </a:r>
-            <a:r>
-              <a:rPr lang="en-US" sz="1050" b="1" dirty="0">
-                <a:solidFill>
-                  <a:schemeClr val="dk1"/>
-                </a:solidFill>
-              </a:rPr>
-              <a:t> -&gt; human evaluation</a:t>
+              <a:t>Concatenation of high-dimensional genre + metadata embeddings</a:t>
             </a:r>
           </a:p>
           <a:p>
             <a:pPr marL="169228" lvl="0" indent="0" algn="l" rtl="0">
               <a:lnSpc>
-                <a:spcPct val="100000"/>
+                <a:spcPct val="200000"/>
               </a:lnSpc>
               <a:spcBef>
                 <a:spcPts val="0"/>
@@ -6964,16 +7066,27 @@
               <a:buSzPts val="935"/>
               <a:buNone/>
             </a:pPr>
-            <a:endParaRPr lang="en-US" sz="1050" b="1" dirty="0">
-              <a:solidFill>
-                <a:schemeClr val="dk1"/>
-              </a:solidFill>
-            </a:endParaRPr>
+            <a:r>
+              <a:rPr lang="en-US" sz="1050" b="1" dirty="0">
+                <a:solidFill>
+                  <a:schemeClr val="dk1"/>
+                </a:solidFill>
+              </a:rPr>
+              <a:t>Output: </a:t>
+            </a:r>
+            <a:r>
+              <a:rPr lang="en-US" sz="1050" dirty="0">
+                <a:solidFill>
+                  <a:schemeClr val="dk1"/>
+                </a:solidFill>
+              </a:rPr>
+              <a:t>Encoder final layer embeddings</a:t>
+            </a:r>
           </a:p>
           <a:p>
             <a:pPr marL="169228" lvl="0" indent="0" algn="l" rtl="0">
               <a:lnSpc>
-                <a:spcPct val="100000"/>
+                <a:spcPct val="200000"/>
               </a:lnSpc>
               <a:spcBef>
                 <a:spcPts val="0"/>
@@ -6988,49 +7101,18 @@
               <a:buNone/>
             </a:pPr>
             <a:r>
-              <a:rPr lang="en-US" sz="1050" b="1" dirty="0">
+              <a:rPr lang="en-US" sz="1050" dirty="0">
                 <a:solidFill>
                   <a:schemeClr val="dk1"/>
                 </a:solidFill>
               </a:rPr>
-              <a:t>Thinks to consider: </a:t>
+              <a:t>Train to match decoder output as close to input data</a:t>
             </a:r>
-            <a:r>
-              <a:rPr lang="en-US" sz="1050" dirty="0">
-                <a:solidFill>
-                  <a:schemeClr val="dk1"/>
-                </a:solidFill>
-              </a:rPr>
-              <a:t>close to query genre &amp; close to query metadata values &amp; raw audio similar</a:t>
-            </a:r>
-          </a:p>
-          <a:p>
-            <a:pPr marL="169228" lvl="0" indent="0" algn="l" rtl="0">
-              <a:lnSpc>
-                <a:spcPct val="100000"/>
-              </a:lnSpc>
-              <a:spcBef>
-                <a:spcPts val="0"/>
-              </a:spcBef>
-              <a:spcAft>
-                <a:spcPts val="0"/>
-              </a:spcAft>
-              <a:buClr>
-                <a:schemeClr val="dk1"/>
-              </a:buClr>
-              <a:buSzPts val="935"/>
-              <a:buNone/>
-            </a:pPr>
-            <a:endParaRPr lang="en-US" sz="1050" dirty="0">
-              <a:solidFill>
-                <a:schemeClr val="dk1"/>
-              </a:solidFill>
-            </a:endParaRPr>
           </a:p>
           <a:p>
             <a:pPr marL="340678" indent="-171450">
               <a:lnSpc>
-                <a:spcPct val="100000"/>
+                <a:spcPct val="200000"/>
               </a:lnSpc>
               <a:buClr>
                 <a:schemeClr val="dk1"/>
@@ -7043,13 +7125,13 @@
                   <a:schemeClr val="dk1"/>
                 </a:solidFill>
               </a:rPr>
-              <a:t>Cosine similarity</a:t>
+              <a:t>Further reduction of dimensionality</a:t>
             </a:r>
           </a:p>
           <a:p>
             <a:pPr marL="340678" indent="-171450">
               <a:lnSpc>
-                <a:spcPct val="100000"/>
+                <a:spcPct val="200000"/>
               </a:lnSpc>
               <a:buClr>
                 <a:schemeClr val="dk1"/>
@@ -7062,36 +7144,37 @@
                   <a:schemeClr val="dk1"/>
                 </a:solidFill>
               </a:rPr>
-              <a:t>20 experiments, 20 randomly queried songs</a:t>
+              <a:t>Unsupervised dependency discovery</a:t>
             </a:r>
           </a:p>
           <a:p>
-            <a:pPr marL="340678" indent="-171450">
+            <a:pPr marL="169228" indent="0">
               <a:lnSpc>
-                <a:spcPct val="100000"/>
+                <a:spcPct val="200000"/>
               </a:lnSpc>
               <a:buClr>
                 <a:schemeClr val="dk1"/>
               </a:buClr>
               <a:buSzPts val="935"/>
+              <a:buNone/>
             </a:pPr>
             <a:r>
-              <a:rPr lang="en-US" sz="1050" dirty="0">
+              <a:rPr lang="en-US" sz="1050" b="1" dirty="0">
                 <a:solidFill>
                   <a:schemeClr val="dk1"/>
                 </a:solidFill>
               </a:rPr>
-              <a:t>Top 5 similar </a:t>
+              <a:t>Final refined low-dimension representations</a:t>
             </a:r>
           </a:p>
         </p:txBody>
       </p:sp>
       <p:pic>
         <p:nvPicPr>
-          <p:cNvPr id="4" name="Εικόνα 3" descr="Εικόνα που περιέχει κείμενο, αριθμός, γραμματοσειρά, στιγμιότυπο οθόνης&#10;&#10;Περιγραφή που δημιουργήθηκε αυτόματα">
+          <p:cNvPr id="3" name="Εικόνα 2" descr="Εικόνα που περιέχει κείμενο, στιγμιότυπο οθόνης, διάγραμμα, γραφιστική&#10;&#10;Περιγραφή που δημιουργήθηκε αυτόματα">
             <a:extLst>
               <a:ext uri="{FF2B5EF4-FFF2-40B4-BE49-F238E27FC236}">
-                <a16:creationId xmlns:a16="http://schemas.microsoft.com/office/drawing/2014/main" id="{51249861-2F83-C5C0-1D9C-EE7ABAD13827}"/>
+                <a16:creationId xmlns:a16="http://schemas.microsoft.com/office/drawing/2014/main" id="{776451EA-C602-8223-57E7-D524FB35CCAE}"/>
               </a:ext>
             </a:extLst>
           </p:cNvPr>
@@ -7108,14 +7191,415 @@
         </p:blipFill>
         <p:spPr>
           <a:xfrm>
-            <a:off x="2107036" y="2571750"/>
-            <a:ext cx="5243014" cy="2568163"/>
+            <a:off x="973872" y="2764230"/>
+            <a:ext cx="6556917" cy="2139194"/>
           </a:xfrm>
           <a:prstGeom prst="rect">
             <a:avLst/>
           </a:prstGeom>
         </p:spPr>
       </p:pic>
+    </p:spTree>
+  </p:cSld>
+  <p:clrMapOvr>
+    <a:masterClrMapping/>
+  </p:clrMapOvr>
+</p:sld>
+</file>
+
+<file path=ppt/slides/slide11.xml><?xml version="1.0" encoding="utf-8"?>
+<p:sld xmlns:a="http://schemas.openxmlformats.org/drawingml/2006/main" xmlns:r="http://schemas.openxmlformats.org/officeDocument/2006/relationships" xmlns:p="http://schemas.openxmlformats.org/presentationml/2006/main">
+  <p:cSld>
+    <p:spTree>
+      <p:nvGrpSpPr>
+        <p:cNvPr id="1" name="Shape 103"/>
+        <p:cNvGrpSpPr/>
+        <p:nvPr/>
+      </p:nvGrpSpPr>
+      <p:grpSpPr>
+        <a:xfrm>
+          <a:off x="0" y="0"/>
+          <a:ext cx="0" cy="0"/>
+          <a:chOff x="0" y="0"/>
+          <a:chExt cx="0" cy="0"/>
+        </a:xfrm>
+      </p:grpSpPr>
+      <p:sp>
+        <p:nvSpPr>
+          <p:cNvPr id="104" name="Google Shape;104;p19"/>
+          <p:cNvSpPr txBox="1">
+            <a:spLocks noGrp="1"/>
+          </p:cNvSpPr>
+          <p:nvPr>
+            <p:ph type="title"/>
+          </p:nvPr>
+        </p:nvSpPr>
+        <p:spPr>
+          <a:xfrm>
+            <a:off x="311700" y="335125"/>
+            <a:ext cx="8520600" cy="572700"/>
+          </a:xfrm>
+          <a:prstGeom prst="rect">
+            <a:avLst/>
+          </a:prstGeom>
+        </p:spPr>
+        <p:txBody>
+          <a:bodyPr spcFirstLastPara="1" wrap="square" lIns="91425" tIns="91425" rIns="91425" bIns="91425" anchor="t" anchorCtr="0">
+            <a:normAutofit fontScale="90000"/>
+          </a:bodyPr>
+          <a:lstStyle/>
+          <a:p>
+            <a:pPr marL="0" lvl="0" indent="0" algn="l" rtl="0">
+              <a:spcBef>
+                <a:spcPts val="0"/>
+              </a:spcBef>
+              <a:spcAft>
+                <a:spcPts val="0"/>
+              </a:spcAft>
+              <a:buNone/>
+            </a:pPr>
+            <a:r>
+              <a:rPr lang="en" dirty="0"/>
+              <a:t>Experiments</a:t>
+            </a:r>
+            <a:endParaRPr dirty="0"/>
+          </a:p>
+        </p:txBody>
+      </p:sp>
+      <p:sp>
+        <p:nvSpPr>
+          <p:cNvPr id="105" name="Google Shape;105;p19"/>
+          <p:cNvSpPr txBox="1">
+            <a:spLocks noGrp="1"/>
+          </p:cNvSpPr>
+          <p:nvPr>
+            <p:ph type="body" idx="1"/>
+          </p:nvPr>
+        </p:nvSpPr>
+        <p:spPr>
+          <a:xfrm>
+            <a:off x="526747" y="933492"/>
+            <a:ext cx="6482575" cy="1722949"/>
+          </a:xfrm>
+          <a:prstGeom prst="rect">
+            <a:avLst/>
+          </a:prstGeom>
+        </p:spPr>
+        <p:txBody>
+          <a:bodyPr spcFirstLastPara="1" wrap="square" lIns="91425" tIns="91425" rIns="91425" bIns="91425" anchor="ctr" anchorCtr="0">
+            <a:noAutofit/>
+          </a:bodyPr>
+          <a:lstStyle/>
+          <a:p>
+            <a:pPr marL="169228" lvl="0" indent="0" algn="l" rtl="0">
+              <a:lnSpc>
+                <a:spcPct val="100000"/>
+              </a:lnSpc>
+              <a:spcBef>
+                <a:spcPts val="0"/>
+              </a:spcBef>
+              <a:spcAft>
+                <a:spcPts val="0"/>
+              </a:spcAft>
+              <a:buClr>
+                <a:schemeClr val="dk1"/>
+              </a:buClr>
+              <a:buSzPts val="935"/>
+              <a:buNone/>
+            </a:pPr>
+            <a:r>
+              <a:rPr lang="en-US" sz="1050" b="1" dirty="0">
+                <a:solidFill>
+                  <a:schemeClr val="dk1"/>
+                </a:solidFill>
+              </a:rPr>
+              <a:t>Evaluation difficult to quantize -&gt; human evaluation</a:t>
+            </a:r>
+          </a:p>
+          <a:p>
+            <a:pPr marL="169228" lvl="0" indent="0" algn="l" rtl="0">
+              <a:lnSpc>
+                <a:spcPct val="100000"/>
+              </a:lnSpc>
+              <a:spcBef>
+                <a:spcPts val="0"/>
+              </a:spcBef>
+              <a:spcAft>
+                <a:spcPts val="0"/>
+              </a:spcAft>
+              <a:buClr>
+                <a:schemeClr val="dk1"/>
+              </a:buClr>
+              <a:buSzPts val="935"/>
+              <a:buNone/>
+            </a:pPr>
+            <a:endParaRPr lang="en-US" sz="1050" b="1" dirty="0">
+              <a:solidFill>
+                <a:schemeClr val="dk1"/>
+              </a:solidFill>
+            </a:endParaRPr>
+          </a:p>
+          <a:p>
+            <a:pPr marL="169228" lvl="0" indent="0" algn="l" rtl="0">
+              <a:lnSpc>
+                <a:spcPct val="100000"/>
+              </a:lnSpc>
+              <a:spcBef>
+                <a:spcPts val="0"/>
+              </a:spcBef>
+              <a:spcAft>
+                <a:spcPts val="0"/>
+              </a:spcAft>
+              <a:buClr>
+                <a:schemeClr val="dk1"/>
+              </a:buClr>
+              <a:buSzPts val="935"/>
+              <a:buNone/>
+            </a:pPr>
+            <a:r>
+              <a:rPr lang="en-US" sz="1050" b="1" dirty="0">
+                <a:solidFill>
+                  <a:schemeClr val="dk1"/>
+                </a:solidFill>
+              </a:rPr>
+              <a:t>Thinks to consider: </a:t>
+            </a:r>
+            <a:r>
+              <a:rPr lang="en-US" sz="1050" dirty="0">
+                <a:solidFill>
+                  <a:schemeClr val="dk1"/>
+                </a:solidFill>
+              </a:rPr>
+              <a:t>emotion &amp; genre &amp; raw audio similar</a:t>
+            </a:r>
+          </a:p>
+          <a:p>
+            <a:pPr marL="169228" lvl="0" indent="0" algn="l" rtl="0">
+              <a:lnSpc>
+                <a:spcPct val="100000"/>
+              </a:lnSpc>
+              <a:spcBef>
+                <a:spcPts val="0"/>
+              </a:spcBef>
+              <a:spcAft>
+                <a:spcPts val="0"/>
+              </a:spcAft>
+              <a:buClr>
+                <a:schemeClr val="dk1"/>
+              </a:buClr>
+              <a:buSzPts val="935"/>
+              <a:buNone/>
+            </a:pPr>
+            <a:endParaRPr lang="en-US" sz="1050" dirty="0">
+              <a:solidFill>
+                <a:schemeClr val="dk1"/>
+              </a:solidFill>
+            </a:endParaRPr>
+          </a:p>
+          <a:p>
+            <a:pPr marL="340678" indent="-171450">
+              <a:lnSpc>
+                <a:spcPct val="100000"/>
+              </a:lnSpc>
+              <a:buClr>
+                <a:schemeClr val="dk1"/>
+              </a:buClr>
+              <a:buSzPts val="935"/>
+            </a:pPr>
+            <a:r>
+              <a:rPr lang="en-US" sz="1050" dirty="0">
+                <a:solidFill>
+                  <a:schemeClr val="dk1"/>
+                </a:solidFill>
+              </a:rPr>
+              <a:t>Cosine similarity</a:t>
+            </a:r>
+          </a:p>
+          <a:p>
+            <a:pPr marL="340678" indent="-171450">
+              <a:lnSpc>
+                <a:spcPct val="100000"/>
+              </a:lnSpc>
+              <a:buClr>
+                <a:schemeClr val="dk1"/>
+              </a:buClr>
+              <a:buSzPts val="935"/>
+            </a:pPr>
+            <a:r>
+              <a:rPr lang="en-US" sz="1050" dirty="0">
+                <a:solidFill>
+                  <a:schemeClr val="dk1"/>
+                </a:solidFill>
+              </a:rPr>
+              <a:t>40 experiments, randomly queried songs</a:t>
+            </a:r>
+          </a:p>
+          <a:p>
+            <a:pPr marL="340678" indent="-171450">
+              <a:lnSpc>
+                <a:spcPct val="100000"/>
+              </a:lnSpc>
+              <a:buClr>
+                <a:schemeClr val="dk1"/>
+              </a:buClr>
+              <a:buSzPts val="935"/>
+            </a:pPr>
+            <a:r>
+              <a:rPr lang="en-US" sz="1050" dirty="0">
+                <a:solidFill>
+                  <a:schemeClr val="dk1"/>
+                </a:solidFill>
+              </a:rPr>
+              <a:t>Top 5 similar </a:t>
+            </a:r>
+          </a:p>
+        </p:txBody>
+      </p:sp>
+      <p:pic>
+        <p:nvPicPr>
+          <p:cNvPr id="3" name="Εικόνα 2" descr="Εικόνα που περιέχει κείμενο, στιγμιότυπο οθόνης, γραμματοσειρά, αριθμός&#10;&#10;Περιγραφή που δημιουργήθηκε αυτόματα">
+            <a:extLst>
+              <a:ext uri="{FF2B5EF4-FFF2-40B4-BE49-F238E27FC236}">
+                <a16:creationId xmlns:a16="http://schemas.microsoft.com/office/drawing/2014/main" id="{66059555-D1EF-1AEA-2448-49AD94F28F33}"/>
+              </a:ext>
+            </a:extLst>
+          </p:cNvPr>
+          <p:cNvPicPr>
+            <a:picLocks noChangeAspect="1"/>
+          </p:cNvPicPr>
+          <p:nvPr/>
+        </p:nvPicPr>
+        <p:blipFill>
+          <a:blip r:embed="rId3"/>
+          <a:stretch>
+            <a:fillRect/>
+          </a:stretch>
+        </p:blipFill>
+        <p:spPr>
+          <a:xfrm>
+            <a:off x="666695" y="3928740"/>
+            <a:ext cx="4410691" cy="952633"/>
+          </a:xfrm>
+          <a:prstGeom prst="rect">
+            <a:avLst/>
+          </a:prstGeom>
+        </p:spPr>
+      </p:pic>
+      <p:pic>
+        <p:nvPicPr>
+          <p:cNvPr id="6" name="Εικόνα 5" descr="Εικόνα που περιέχει κείμενο, στιγμιότυπο οθόνης, γραμματοσειρά, αριθμός&#10;&#10;Περιγραφή που δημιουργήθηκε αυτόματα">
+            <a:extLst>
+              <a:ext uri="{FF2B5EF4-FFF2-40B4-BE49-F238E27FC236}">
+                <a16:creationId xmlns:a16="http://schemas.microsoft.com/office/drawing/2014/main" id="{92F924E0-527E-A6F6-0AB0-90F3E1016E75}"/>
+              </a:ext>
+            </a:extLst>
+          </p:cNvPr>
+          <p:cNvPicPr>
+            <a:picLocks noChangeAspect="1"/>
+          </p:cNvPicPr>
+          <p:nvPr/>
+        </p:nvPicPr>
+        <p:blipFill>
+          <a:blip r:embed="rId4"/>
+          <a:stretch>
+            <a:fillRect/>
+          </a:stretch>
+        </p:blipFill>
+        <p:spPr>
+          <a:xfrm>
+            <a:off x="628589" y="2764933"/>
+            <a:ext cx="4572638" cy="924054"/>
+          </a:xfrm>
+          <a:prstGeom prst="rect">
+            <a:avLst/>
+          </a:prstGeom>
+        </p:spPr>
+      </p:pic>
+      <p:sp>
+        <p:nvSpPr>
+          <p:cNvPr id="9" name="TextBox 8">
+            <a:extLst>
+              <a:ext uri="{FF2B5EF4-FFF2-40B4-BE49-F238E27FC236}">
+                <a16:creationId xmlns:a16="http://schemas.microsoft.com/office/drawing/2014/main" id="{7F00FC90-C874-E236-B10C-0106CA4B82A8}"/>
+              </a:ext>
+            </a:extLst>
+          </p:cNvPr>
+          <p:cNvSpPr txBox="1"/>
+          <p:nvPr/>
+        </p:nvSpPr>
+        <p:spPr>
+          <a:xfrm>
+            <a:off x="5315591" y="2965350"/>
+            <a:ext cx="2114681" cy="523220"/>
+          </a:xfrm>
+          <a:prstGeom prst="rect">
+            <a:avLst/>
+          </a:prstGeom>
+          <a:noFill/>
+        </p:spPr>
+        <p:txBody>
+          <a:bodyPr wrap="none" rtlCol="0">
+            <a:spAutoFit/>
+          </a:bodyPr>
+          <a:lstStyle/>
+          <a:p>
+            <a:r>
+              <a:rPr lang="en-US" dirty="0"/>
+              <a:t>Similar genres, emotion </a:t>
+            </a:r>
+            <a:br>
+              <a:rPr lang="en-US" dirty="0"/>
+            </a:br>
+            <a:r>
+              <a:rPr lang="en-US" dirty="0"/>
+              <a:t>AND instruments</a:t>
+            </a:r>
+            <a:endParaRPr lang="el-GR" dirty="0"/>
+          </a:p>
+        </p:txBody>
+      </p:sp>
+      <p:sp>
+        <p:nvSpPr>
+          <p:cNvPr id="10" name="TextBox 9">
+            <a:extLst>
+              <a:ext uri="{FF2B5EF4-FFF2-40B4-BE49-F238E27FC236}">
+                <a16:creationId xmlns:a16="http://schemas.microsoft.com/office/drawing/2014/main" id="{3D295B7E-6225-C459-91E5-E7CF879BFF45}"/>
+              </a:ext>
+            </a:extLst>
+          </p:cNvPr>
+          <p:cNvSpPr txBox="1"/>
+          <p:nvPr/>
+        </p:nvSpPr>
+        <p:spPr>
+          <a:xfrm>
+            <a:off x="5077386" y="4097279"/>
+            <a:ext cx="3358612" cy="523220"/>
+          </a:xfrm>
+          <a:prstGeom prst="rect">
+            <a:avLst/>
+          </a:prstGeom>
+          <a:noFill/>
+        </p:spPr>
+        <p:txBody>
+          <a:bodyPr wrap="none" rtlCol="0">
+            <a:spAutoFit/>
+          </a:bodyPr>
+          <a:lstStyle/>
+          <a:p>
+            <a:r>
+              <a:rPr lang="en-US" dirty="0"/>
+              <a:t>Similar emotions and acoustic features, </a:t>
+            </a:r>
+          </a:p>
+          <a:p>
+            <a:r>
+              <a:rPr lang="en-US" b="1" dirty="0"/>
+              <a:t>even in different genre!</a:t>
+            </a:r>
+            <a:endParaRPr lang="el-GR" b="1" dirty="0"/>
+          </a:p>
+        </p:txBody>
+      </p:sp>
     </p:spTree>
     <p:extLst>
       <p:ext uri="{BB962C8B-B14F-4D97-AF65-F5344CB8AC3E}">
@@ -7129,7 +7613,7 @@
 </p:sld>
 </file>
 
-<file path=ppt/slides/slide11.xml><?xml version="1.0" encoding="utf-8"?>
+<file path=ppt/slides/slide12.xml><?xml version="1.0" encoding="utf-8"?>
 <p:sld xmlns:a="http://schemas.openxmlformats.org/drawingml/2006/main" xmlns:r="http://schemas.openxmlformats.org/officeDocument/2006/relationships" xmlns:p="http://schemas.openxmlformats.org/presentationml/2006/main">
   <p:cSld>
     <p:spTree>
@@ -8226,37 +8710,12 @@
           </a:p>
         </p:txBody>
       </p:sp>
-      <p:sp>
-        <p:nvSpPr>
-          <p:cNvPr id="3" name="Θέση κειμένου 2">
+      <p:pic>
+        <p:nvPicPr>
+          <p:cNvPr id="6" name="Εικόνα 5" descr="Εικόνα που περιέχει κείμενο, διάγραμμα, Σχέδιο, σκίτσο/σχέδιο&#10;&#10;Περιγραφή που δημιουργήθηκε αυτόματα">
             <a:extLst>
               <a:ext uri="{FF2B5EF4-FFF2-40B4-BE49-F238E27FC236}">
-                <a16:creationId xmlns:a16="http://schemas.microsoft.com/office/drawing/2014/main" id="{AADF98AB-650A-1A4E-2F84-9D622D90A195}"/>
-              </a:ext>
-            </a:extLst>
-          </p:cNvPr>
-          <p:cNvSpPr>
-            <a:spLocks noGrp="1"/>
-          </p:cNvSpPr>
-          <p:nvPr>
-            <p:ph type="body" idx="1"/>
-          </p:nvPr>
-        </p:nvSpPr>
-        <p:spPr/>
-        <p:txBody>
-          <a:bodyPr/>
-          <a:lstStyle/>
-          <a:p>
-            <a:endParaRPr lang="el-GR" dirty="0"/>
-          </a:p>
-        </p:txBody>
-      </p:sp>
-      <p:pic>
-        <p:nvPicPr>
-          <p:cNvPr id="4" name="Εικόνα 3" descr="Εικόνα που περιέχει κείμενο, διάγραμμα, σκίτσο/σχέδιο, ζωγραφιά&#10;&#10;Περιγραφή που δημιουργήθηκε αυτόματα">
-            <a:extLst>
-              <a:ext uri="{FF2B5EF4-FFF2-40B4-BE49-F238E27FC236}">
-                <a16:creationId xmlns:a16="http://schemas.microsoft.com/office/drawing/2014/main" id="{42DD4DFB-4337-42DD-44C1-5497BA795F47}"/>
+                <a16:creationId xmlns:a16="http://schemas.microsoft.com/office/drawing/2014/main" id="{FA7CF4B8-FA79-ABC4-EA10-2F2382BF00C1}"/>
               </a:ext>
             </a:extLst>
           </p:cNvPr>
@@ -8266,21 +8725,15 @@
           <p:nvPr/>
         </p:nvPicPr>
         <p:blipFill>
-          <a:blip r:embed="rId2">
-            <a:extLst>
-              <a:ext uri="{28A0092B-C50C-407E-A947-70E740481C1C}">
-                <a14:useLocalDpi xmlns:a14="http://schemas.microsoft.com/office/drawing/2010/main" val="0"/>
-              </a:ext>
-            </a:extLst>
-          </a:blip>
+          <a:blip r:embed="rId2"/>
           <a:stretch>
             <a:fillRect/>
           </a:stretch>
         </p:blipFill>
         <p:spPr>
           <a:xfrm>
-            <a:off x="3283382" y="973391"/>
-            <a:ext cx="1707531" cy="3754338"/>
+            <a:off x="2787804" y="701351"/>
+            <a:ext cx="3199209" cy="4267476"/>
           </a:xfrm>
           <a:prstGeom prst="rect">
             <a:avLst/>
@@ -8603,7 +9056,7 @@
         </p:nvSpPr>
         <p:spPr>
           <a:xfrm>
-            <a:off x="4378475" y="1178350"/>
+            <a:off x="4145280" y="3107300"/>
             <a:ext cx="3691105" cy="3416400"/>
           </a:xfrm>
           <a:prstGeom prst="rect">
@@ -8936,6 +9389,360 @@
                 <a:schemeClr val="dk1"/>
               </a:solidFill>
             </a:endParaRPr>
+          </a:p>
+        </p:txBody>
+      </p:sp>
+      <p:sp>
+        <p:nvSpPr>
+          <p:cNvPr id="2" name="Google Shape;116;p20">
+            <a:extLst>
+              <a:ext uri="{FF2B5EF4-FFF2-40B4-BE49-F238E27FC236}">
+                <a16:creationId xmlns:a16="http://schemas.microsoft.com/office/drawing/2014/main" id="{0CC493D4-1BAD-886C-523A-DACE71FB9112}"/>
+              </a:ext>
+            </a:extLst>
+          </p:cNvPr>
+          <p:cNvSpPr txBox="1">
+            <a:spLocks/>
+          </p:cNvSpPr>
+          <p:nvPr/>
+        </p:nvSpPr>
+        <p:spPr>
+          <a:xfrm>
+            <a:off x="4145280" y="1006365"/>
+            <a:ext cx="4722645" cy="2893326"/>
+          </a:xfrm>
+          <a:prstGeom prst="rect">
+            <a:avLst/>
+          </a:prstGeom>
+          <a:noFill/>
+          <a:ln>
+            <a:noFill/>
+          </a:ln>
+        </p:spPr>
+        <p:txBody>
+          <a:bodyPr spcFirstLastPara="1" wrap="square" lIns="91425" tIns="91425" rIns="91425" bIns="91425" anchor="t" anchorCtr="0">
+            <a:normAutofit/>
+          </a:bodyPr>
+          <a:lstStyle>
+            <a:defPPr marR="0" lvl="0" algn="l" rtl="0">
+              <a:lnSpc>
+                <a:spcPct val="100000"/>
+              </a:lnSpc>
+              <a:spcBef>
+                <a:spcPts val="0"/>
+              </a:spcBef>
+              <a:spcAft>
+                <a:spcPts val="0"/>
+              </a:spcAft>
+            </a:defPPr>
+            <a:lvl1pPr marL="457200" marR="0" lvl="0" indent="-342900" algn="l" rtl="0">
+              <a:lnSpc>
+                <a:spcPct val="115000"/>
+              </a:lnSpc>
+              <a:spcBef>
+                <a:spcPts val="0"/>
+              </a:spcBef>
+              <a:spcAft>
+                <a:spcPts val="0"/>
+              </a:spcAft>
+              <a:buClr>
+                <a:schemeClr val="dk2"/>
+              </a:buClr>
+              <a:buSzPts val="1800"/>
+              <a:buFont typeface="Arial"/>
+              <a:buChar char="●"/>
+              <a:defRPr sz="1800" b="0" i="0" u="none" strike="noStrike" cap="none">
+                <a:solidFill>
+                  <a:schemeClr val="dk2"/>
+                </a:solidFill>
+                <a:latin typeface="Arial"/>
+                <a:ea typeface="Arial"/>
+                <a:cs typeface="Arial"/>
+                <a:sym typeface="Arial"/>
+              </a:defRPr>
+            </a:lvl1pPr>
+            <a:lvl2pPr marL="914400" marR="0" lvl="1" indent="-317500" algn="l" rtl="0">
+              <a:lnSpc>
+                <a:spcPct val="115000"/>
+              </a:lnSpc>
+              <a:spcBef>
+                <a:spcPts val="0"/>
+              </a:spcBef>
+              <a:spcAft>
+                <a:spcPts val="0"/>
+              </a:spcAft>
+              <a:buClr>
+                <a:schemeClr val="dk2"/>
+              </a:buClr>
+              <a:buSzPts val="1400"/>
+              <a:buFont typeface="Arial"/>
+              <a:buChar char="○"/>
+              <a:defRPr sz="1400" b="0" i="0" u="none" strike="noStrike" cap="none">
+                <a:solidFill>
+                  <a:schemeClr val="dk2"/>
+                </a:solidFill>
+                <a:latin typeface="Arial"/>
+                <a:ea typeface="Arial"/>
+                <a:cs typeface="Arial"/>
+                <a:sym typeface="Arial"/>
+              </a:defRPr>
+            </a:lvl2pPr>
+            <a:lvl3pPr marL="1371600" marR="0" lvl="2" indent="-317500" algn="l" rtl="0">
+              <a:lnSpc>
+                <a:spcPct val="115000"/>
+              </a:lnSpc>
+              <a:spcBef>
+                <a:spcPts val="0"/>
+              </a:spcBef>
+              <a:spcAft>
+                <a:spcPts val="0"/>
+              </a:spcAft>
+              <a:buClr>
+                <a:schemeClr val="dk2"/>
+              </a:buClr>
+              <a:buSzPts val="1400"/>
+              <a:buFont typeface="Arial"/>
+              <a:buChar char="■"/>
+              <a:defRPr sz="1400" b="0" i="0" u="none" strike="noStrike" cap="none">
+                <a:solidFill>
+                  <a:schemeClr val="dk2"/>
+                </a:solidFill>
+                <a:latin typeface="Arial"/>
+                <a:ea typeface="Arial"/>
+                <a:cs typeface="Arial"/>
+                <a:sym typeface="Arial"/>
+              </a:defRPr>
+            </a:lvl3pPr>
+            <a:lvl4pPr marL="1828800" marR="0" lvl="3" indent="-317500" algn="l" rtl="0">
+              <a:lnSpc>
+                <a:spcPct val="115000"/>
+              </a:lnSpc>
+              <a:spcBef>
+                <a:spcPts val="0"/>
+              </a:spcBef>
+              <a:spcAft>
+                <a:spcPts val="0"/>
+              </a:spcAft>
+              <a:buClr>
+                <a:schemeClr val="dk2"/>
+              </a:buClr>
+              <a:buSzPts val="1400"/>
+              <a:buFont typeface="Arial"/>
+              <a:buChar char="●"/>
+              <a:defRPr sz="1400" b="0" i="0" u="none" strike="noStrike" cap="none">
+                <a:solidFill>
+                  <a:schemeClr val="dk2"/>
+                </a:solidFill>
+                <a:latin typeface="Arial"/>
+                <a:ea typeface="Arial"/>
+                <a:cs typeface="Arial"/>
+                <a:sym typeface="Arial"/>
+              </a:defRPr>
+            </a:lvl4pPr>
+            <a:lvl5pPr marL="2286000" marR="0" lvl="4" indent="-317500" algn="l" rtl="0">
+              <a:lnSpc>
+                <a:spcPct val="115000"/>
+              </a:lnSpc>
+              <a:spcBef>
+                <a:spcPts val="0"/>
+              </a:spcBef>
+              <a:spcAft>
+                <a:spcPts val="0"/>
+              </a:spcAft>
+              <a:buClr>
+                <a:schemeClr val="dk2"/>
+              </a:buClr>
+              <a:buSzPts val="1400"/>
+              <a:buFont typeface="Arial"/>
+              <a:buChar char="○"/>
+              <a:defRPr sz="1400" b="0" i="0" u="none" strike="noStrike" cap="none">
+                <a:solidFill>
+                  <a:schemeClr val="dk2"/>
+                </a:solidFill>
+                <a:latin typeface="Arial"/>
+                <a:ea typeface="Arial"/>
+                <a:cs typeface="Arial"/>
+                <a:sym typeface="Arial"/>
+              </a:defRPr>
+            </a:lvl5pPr>
+            <a:lvl6pPr marL="2743200" marR="0" lvl="5" indent="-317500" algn="l" rtl="0">
+              <a:lnSpc>
+                <a:spcPct val="115000"/>
+              </a:lnSpc>
+              <a:spcBef>
+                <a:spcPts val="0"/>
+              </a:spcBef>
+              <a:spcAft>
+                <a:spcPts val="0"/>
+              </a:spcAft>
+              <a:buClr>
+                <a:schemeClr val="dk2"/>
+              </a:buClr>
+              <a:buSzPts val="1400"/>
+              <a:buFont typeface="Arial"/>
+              <a:buChar char="■"/>
+              <a:defRPr sz="1400" b="0" i="0" u="none" strike="noStrike" cap="none">
+                <a:solidFill>
+                  <a:schemeClr val="dk2"/>
+                </a:solidFill>
+                <a:latin typeface="Arial"/>
+                <a:ea typeface="Arial"/>
+                <a:cs typeface="Arial"/>
+                <a:sym typeface="Arial"/>
+              </a:defRPr>
+            </a:lvl6pPr>
+            <a:lvl7pPr marL="3200400" marR="0" lvl="6" indent="-317500" algn="l" rtl="0">
+              <a:lnSpc>
+                <a:spcPct val="115000"/>
+              </a:lnSpc>
+              <a:spcBef>
+                <a:spcPts val="0"/>
+              </a:spcBef>
+              <a:spcAft>
+                <a:spcPts val="0"/>
+              </a:spcAft>
+              <a:buClr>
+                <a:schemeClr val="dk2"/>
+              </a:buClr>
+              <a:buSzPts val="1400"/>
+              <a:buFont typeface="Arial"/>
+              <a:buChar char="●"/>
+              <a:defRPr sz="1400" b="0" i="0" u="none" strike="noStrike" cap="none">
+                <a:solidFill>
+                  <a:schemeClr val="dk2"/>
+                </a:solidFill>
+                <a:latin typeface="Arial"/>
+                <a:ea typeface="Arial"/>
+                <a:cs typeface="Arial"/>
+                <a:sym typeface="Arial"/>
+              </a:defRPr>
+            </a:lvl7pPr>
+            <a:lvl8pPr marL="3657600" marR="0" lvl="7" indent="-317500" algn="l" rtl="0">
+              <a:lnSpc>
+                <a:spcPct val="115000"/>
+              </a:lnSpc>
+              <a:spcBef>
+                <a:spcPts val="0"/>
+              </a:spcBef>
+              <a:spcAft>
+                <a:spcPts val="0"/>
+              </a:spcAft>
+              <a:buClr>
+                <a:schemeClr val="dk2"/>
+              </a:buClr>
+              <a:buSzPts val="1400"/>
+              <a:buFont typeface="Arial"/>
+              <a:buChar char="○"/>
+              <a:defRPr sz="1400" b="0" i="0" u="none" strike="noStrike" cap="none">
+                <a:solidFill>
+                  <a:schemeClr val="dk2"/>
+                </a:solidFill>
+                <a:latin typeface="Arial"/>
+                <a:ea typeface="Arial"/>
+                <a:cs typeface="Arial"/>
+                <a:sym typeface="Arial"/>
+              </a:defRPr>
+            </a:lvl8pPr>
+            <a:lvl9pPr marL="4114800" marR="0" lvl="8" indent="-317500" algn="l" rtl="0">
+              <a:lnSpc>
+                <a:spcPct val="115000"/>
+              </a:lnSpc>
+              <a:spcBef>
+                <a:spcPts val="0"/>
+              </a:spcBef>
+              <a:spcAft>
+                <a:spcPts val="0"/>
+              </a:spcAft>
+              <a:buClr>
+                <a:schemeClr val="dk2"/>
+              </a:buClr>
+              <a:buSzPts val="1400"/>
+              <a:buFont typeface="Arial"/>
+              <a:buChar char="■"/>
+              <a:defRPr sz="1400" b="0" i="0" u="none" strike="noStrike" cap="none">
+                <a:solidFill>
+                  <a:schemeClr val="dk2"/>
+                </a:solidFill>
+                <a:latin typeface="Arial"/>
+                <a:ea typeface="Arial"/>
+                <a:cs typeface="Arial"/>
+                <a:sym typeface="Arial"/>
+              </a:defRPr>
+            </a:lvl9pPr>
+          </a:lstStyle>
+          <a:p>
+            <a:pPr marL="0" indent="0">
+              <a:buFont typeface="Arial"/>
+              <a:buNone/>
+            </a:pPr>
+            <a:r>
+              <a:rPr lang="en-US" sz="1600" u="sng" dirty="0">
+                <a:solidFill>
+                  <a:schemeClr val="dk1"/>
+                </a:solidFill>
+              </a:rPr>
+              <a:t>Emotion classification:</a:t>
+            </a:r>
+          </a:p>
+          <a:p>
+            <a:pPr marL="0" indent="0">
+              <a:buFont typeface="Arial"/>
+              <a:buNone/>
+            </a:pPr>
+            <a:r>
+              <a:rPr lang="en-US" sz="1600" dirty="0">
+                <a:solidFill>
+                  <a:schemeClr val="dk1"/>
+                </a:solidFill>
+              </a:rPr>
+              <a:t>DEAM</a:t>
+            </a:r>
+          </a:p>
+          <a:p>
+            <a:pPr marL="285750" indent="-285750"/>
+            <a:r>
+              <a:rPr lang="en-US" sz="1600" dirty="0">
+                <a:solidFill>
+                  <a:schemeClr val="dk1"/>
+                </a:solidFill>
+              </a:rPr>
+              <a:t>Raw audio input 45 second clips + metadata</a:t>
+            </a:r>
+          </a:p>
+          <a:p>
+            <a:pPr marL="285750" indent="-285750"/>
+            <a:r>
+              <a:rPr lang="en-US" sz="1600" dirty="0">
+                <a:solidFill>
+                  <a:schemeClr val="dk1"/>
+                </a:solidFill>
+              </a:rPr>
+              <a:t>Extract emotion labels based on </a:t>
+            </a:r>
+            <a:r>
+              <a:rPr lang="en-US" sz="1600" dirty="0" err="1">
+                <a:solidFill>
+                  <a:schemeClr val="dk1"/>
+                </a:solidFill>
+              </a:rPr>
+              <a:t>valence+arousal</a:t>
+            </a:r>
+            <a:endParaRPr lang="en-US" sz="1600" dirty="0">
+              <a:solidFill>
+                <a:schemeClr val="dk1"/>
+              </a:solidFill>
+            </a:endParaRPr>
+          </a:p>
+          <a:p>
+            <a:pPr marL="285750" indent="-285750"/>
+            <a:r>
+              <a:rPr lang="en-US" sz="1600" dirty="0">
+                <a:solidFill>
+                  <a:schemeClr val="dk1"/>
+                </a:solidFill>
+              </a:rPr>
+              <a:t>Total = 1744 samples</a:t>
+            </a:r>
           </a:p>
         </p:txBody>
       </p:sp>
@@ -9396,7 +10203,7 @@
   <p:cSld>
     <p:spTree>
       <p:nvGrpSpPr>
-        <p:cNvPr id="1" name="Shape 103"/>
+        <p:cNvPr id="1" name="Shape 131"/>
         <p:cNvGrpSpPr/>
         <p:nvPr/>
       </p:nvGrpSpPr>
@@ -9410,7 +10217,7 @@
       </p:grpSpPr>
       <p:sp>
         <p:nvSpPr>
-          <p:cNvPr id="104" name="Google Shape;104;p19"/>
+          <p:cNvPr id="132" name="Google Shape;132;p22"/>
           <p:cNvSpPr txBox="1">
             <a:spLocks noGrp="1"/>
           </p:cNvSpPr>
@@ -9444,7 +10251,7 @@
             </a:pPr>
             <a:r>
               <a:rPr lang="en" dirty="0"/>
-              <a:t>Autoencoder</a:t>
+              <a:t>CNN emotion classification</a:t>
             </a:r>
             <a:endParaRPr dirty="0"/>
           </a:p>
@@ -9452,188 +10259,131 @@
       </p:sp>
       <p:sp>
         <p:nvSpPr>
-          <p:cNvPr id="105" name="Google Shape;105;p19"/>
-          <p:cNvSpPr txBox="1">
-            <a:spLocks noGrp="1"/>
-          </p:cNvSpPr>
-          <p:nvPr>
-            <p:ph type="body" idx="1"/>
-          </p:nvPr>
+          <p:cNvPr id="2" name="TextBox 1">
+            <a:extLst>
+              <a:ext uri="{FF2B5EF4-FFF2-40B4-BE49-F238E27FC236}">
+                <a16:creationId xmlns:a16="http://schemas.microsoft.com/office/drawing/2014/main" id="{EE7875A1-9FDA-0BAC-B39A-6AA63B569B51}"/>
+              </a:ext>
+            </a:extLst>
+          </p:cNvPr>
+          <p:cNvSpPr txBox="1"/>
+          <p:nvPr/>
         </p:nvSpPr>
         <p:spPr>
           <a:xfrm>
-            <a:off x="468350" y="907824"/>
-            <a:ext cx="6482575" cy="1856405"/>
+            <a:off x="483220" y="1383982"/>
+            <a:ext cx="4207727" cy="3108543"/>
           </a:xfrm>
           <a:prstGeom prst="rect">
             <a:avLst/>
           </a:prstGeom>
+          <a:noFill/>
         </p:spPr>
         <p:txBody>
-          <a:bodyPr spcFirstLastPara="1" wrap="square" lIns="91425" tIns="91425" rIns="91425" bIns="91425" anchor="ctr" anchorCtr="0">
-            <a:noAutofit/>
+          <a:bodyPr wrap="square" rtlCol="0">
+            <a:spAutoFit/>
           </a:bodyPr>
           <a:lstStyle/>
           <a:p>
-            <a:pPr marL="169228" lvl="0" indent="0" algn="l" rtl="0">
-              <a:lnSpc>
-                <a:spcPct val="200000"/>
-              </a:lnSpc>
-              <a:spcBef>
-                <a:spcPts val="0"/>
-              </a:spcBef>
-              <a:spcAft>
-                <a:spcPts val="0"/>
-              </a:spcAft>
-              <a:buClr>
-                <a:schemeClr val="dk1"/>
-              </a:buClr>
-              <a:buSzPts val="935"/>
-              <a:buNone/>
-            </a:pPr>
             <a:r>
-              <a:rPr lang="en-US" sz="1050" b="1" dirty="0">
-                <a:solidFill>
-                  <a:schemeClr val="dk1"/>
+              <a:rPr lang="en-US" dirty="0">
+                <a:solidFill>
+                  <a:schemeClr val="tx1"/>
                 </a:solidFill>
               </a:rPr>
-              <a:t>Input: </a:t>
+              <a:t>DEAM per song averaged features</a:t>
+            </a:r>
+          </a:p>
+          <a:p>
+            <a:endParaRPr lang="en-US" dirty="0">
+              <a:solidFill>
+                <a:srgbClr val="FF0000"/>
+              </a:solidFill>
+            </a:endParaRPr>
+          </a:p>
+          <a:p>
+            <a:r>
+              <a:rPr lang="en-US" dirty="0">
+                <a:solidFill>
+                  <a:srgbClr val="FF0000"/>
+                </a:solidFill>
+              </a:rPr>
+              <a:t>Imbalanced dataset!</a:t>
+            </a:r>
+          </a:p>
+          <a:p>
+            <a:r>
+              <a:rPr lang="en-US" dirty="0"/>
+              <a:t>-&gt;need to augment weak classes with:</a:t>
+            </a:r>
+          </a:p>
+          <a:p>
+            <a:r>
+              <a:rPr lang="en-US" dirty="0"/>
+              <a:t>	pitch up/ down</a:t>
+            </a:r>
+          </a:p>
+          <a:p>
+            <a:r>
+              <a:rPr lang="en-US" dirty="0"/>
+              <a:t>	noise addition</a:t>
+            </a:r>
+          </a:p>
+          <a:p>
+            <a:endParaRPr lang="en-US" dirty="0"/>
+          </a:p>
+          <a:p>
+            <a:r>
+              <a:rPr lang="en-US" dirty="0"/>
+              <a:t>Train with deep-audio-features library:</a:t>
+            </a:r>
+          </a:p>
+          <a:p>
+            <a:r>
+              <a:rPr lang="en-US" dirty="0"/>
+              <a:t>	-Audio feature extraction/song</a:t>
+            </a:r>
+          </a:p>
+          <a:p>
+            <a:r>
+              <a:rPr lang="en-US" dirty="0"/>
+              <a:t>	-Classify per emotion</a:t>
+            </a:r>
+          </a:p>
+          <a:p>
+            <a:endParaRPr lang="en-US" dirty="0"/>
+          </a:p>
+          <a:p>
+            <a:r>
+              <a:rPr lang="en-US" dirty="0"/>
+              <a:t>Removing last layer: </a:t>
             </a:r>
             <a:r>
-              <a:rPr lang="en-US" sz="1050" dirty="0">
-                <a:solidFill>
-                  <a:schemeClr val="dk1"/>
-                </a:solidFill>
-              </a:rPr>
-              <a:t>Concatenation of high-dimensional genre + metadata embeddings</a:t>
-            </a:r>
-          </a:p>
-          <a:p>
-            <a:pPr marL="169228" lvl="0" indent="0" algn="l" rtl="0">
-              <a:lnSpc>
-                <a:spcPct val="200000"/>
-              </a:lnSpc>
-              <a:spcBef>
-                <a:spcPts val="0"/>
-              </a:spcBef>
-              <a:spcAft>
-                <a:spcPts val="0"/>
-              </a:spcAft>
-              <a:buClr>
-                <a:schemeClr val="dk1"/>
-              </a:buClr>
-              <a:buSzPts val="935"/>
-              <a:buNone/>
-            </a:pPr>
-            <a:r>
-              <a:rPr lang="en-US" sz="1050" b="1" dirty="0">
-                <a:solidFill>
-                  <a:schemeClr val="dk1"/>
-                </a:solidFill>
-              </a:rPr>
-              <a:t>Output: </a:t>
+              <a:rPr lang="en-US" b="1" dirty="0"/>
+              <a:t>Emotion embeddings</a:t>
             </a:r>
             <a:r>
-              <a:rPr lang="en-US" sz="1050" dirty="0">
-                <a:solidFill>
-                  <a:schemeClr val="dk1"/>
-                </a:solidFill>
-              </a:rPr>
-              <a:t>Encoder final layer embeddings</a:t>
+              <a:rPr lang="en-US" dirty="0"/>
+              <a:t>!</a:t>
             </a:r>
           </a:p>
           <a:p>
-            <a:pPr marL="169228" lvl="0" indent="0" algn="l" rtl="0">
-              <a:lnSpc>
-                <a:spcPct val="200000"/>
-              </a:lnSpc>
-              <a:spcBef>
-                <a:spcPts val="0"/>
-              </a:spcBef>
-              <a:spcAft>
-                <a:spcPts val="0"/>
-              </a:spcAft>
-              <a:buClr>
-                <a:schemeClr val="dk1"/>
-              </a:buClr>
-              <a:buSzPts val="935"/>
-              <a:buNone/>
-            </a:pPr>
             <a:r>
-              <a:rPr lang="en-US" sz="1050" dirty="0">
-                <a:solidFill>
-                  <a:schemeClr val="dk1"/>
-                </a:solidFill>
-              </a:rPr>
-              <a:t>Train to match decoder output as close to input data</a:t>
+              <a:rPr lang="en-US" dirty="0"/>
+              <a:t>	</a:t>
             </a:r>
           </a:p>
           <a:p>
-            <a:pPr marL="340678" indent="-171450">
-              <a:lnSpc>
-                <a:spcPct val="200000"/>
-              </a:lnSpc>
-              <a:buClr>
-                <a:schemeClr val="dk1"/>
-              </a:buClr>
-              <a:buSzPts val="935"/>
-            </a:pPr>
-            <a:r>
-              <a:rPr lang="en-US" sz="1050" dirty="0">
-                <a:solidFill>
-                  <a:schemeClr val="dk1"/>
-                </a:solidFill>
-              </a:rPr>
-              <a:t>Further reduction of dimensionality</a:t>
-            </a:r>
-          </a:p>
-          <a:p>
-            <a:pPr marL="340678" indent="-171450">
-              <a:lnSpc>
-                <a:spcPct val="200000"/>
-              </a:lnSpc>
-              <a:buClr>
-                <a:schemeClr val="dk1"/>
-              </a:buClr>
-              <a:buSzPts val="935"/>
-            </a:pPr>
-            <a:r>
-              <a:rPr lang="en-US" sz="1050" dirty="0">
-                <a:solidFill>
-                  <a:schemeClr val="dk1"/>
-                </a:solidFill>
-              </a:rPr>
-              <a:t>Unsupervised dependency discovery</a:t>
-            </a:r>
-          </a:p>
-          <a:p>
-            <a:pPr marL="169228" indent="0">
-              <a:lnSpc>
-                <a:spcPct val="200000"/>
-              </a:lnSpc>
-              <a:buClr>
-                <a:schemeClr val="dk1"/>
-              </a:buClr>
-              <a:buSzPts val="935"/>
-              <a:buNone/>
-            </a:pPr>
-            <a:r>
-              <a:rPr lang="en-US" sz="1050" b="1" dirty="0">
-                <a:solidFill>
-                  <a:schemeClr val="dk1"/>
-                </a:solidFill>
-              </a:rPr>
-              <a:t>Final refined low-dimension representations</a:t>
-            </a:r>
+            <a:endParaRPr lang="el-GR" dirty="0"/>
           </a:p>
         </p:txBody>
       </p:sp>
       <p:pic>
         <p:nvPicPr>
-          <p:cNvPr id="3" name="Εικόνα 2" descr="Εικόνα που περιέχει κείμενο, στιγμιότυπο οθόνης, διάγραμμα, γραφιστική&#10;&#10;Περιγραφή που δημιουργήθηκε αυτόματα">
+          <p:cNvPr id="4" name="Εικόνα 3" descr="Εικόνα που περιέχει κείμενο, στιγμιότυπο οθόνης, γραμματοσειρά&#10;&#10;Περιγραφή που δημιουργήθηκε αυτόματα">
             <a:extLst>
               <a:ext uri="{FF2B5EF4-FFF2-40B4-BE49-F238E27FC236}">
-                <a16:creationId xmlns:a16="http://schemas.microsoft.com/office/drawing/2014/main" id="{776451EA-C602-8223-57E7-D524FB35CCAE}"/>
+                <a16:creationId xmlns:a16="http://schemas.microsoft.com/office/drawing/2014/main" id="{74CE4595-7BC2-3C6A-6DD7-52DA66BC2792}"/>
               </a:ext>
             </a:extLst>
           </p:cNvPr>
@@ -9650,8 +10400,8 @@
         </p:blipFill>
         <p:spPr>
           <a:xfrm>
-            <a:off x="973872" y="2764230"/>
-            <a:ext cx="6556917" cy="2139194"/>
+            <a:off x="4518284" y="1383982"/>
+            <a:ext cx="4389500" cy="2636748"/>
           </a:xfrm>
           <a:prstGeom prst="rect">
             <a:avLst/>
@@ -9659,6 +10409,11 @@
         </p:spPr>
       </p:pic>
     </p:spTree>
+    <p:extLst>
+      <p:ext uri="{BB962C8B-B14F-4D97-AF65-F5344CB8AC3E}">
+        <p14:creationId xmlns:p14="http://schemas.microsoft.com/office/powerpoint/2010/main" val="3784435436"/>
+      </p:ext>
+    </p:extLst>
   </p:cSld>
   <p:clrMapOvr>
     <a:masterClrMapping/>

--- a/SongSimilarityRetrieval.pptx
+++ b/SongSimilarityRetrieval.pptx
@@ -7003,7 +7003,7 @@
         </p:nvSpPr>
         <p:spPr>
           <a:xfrm>
-            <a:off x="468350" y="907824"/>
+            <a:off x="446047" y="907825"/>
             <a:ext cx="6482575" cy="1856405"/>
           </a:xfrm>
           <a:prstGeom prst="rect">
@@ -7159,12 +7159,32 @@
               <a:buNone/>
             </a:pPr>
             <a:r>
+              <a:rPr lang="en-US" sz="1050" u="sng" dirty="0">
+                <a:solidFill>
+                  <a:schemeClr val="dk1"/>
+                </a:solidFill>
+              </a:rPr>
+              <a:t>Final feature vector dimensions from 526-&gt;64</a:t>
+            </a:r>
+          </a:p>
+          <a:p>
+            <a:pPr marL="169228" indent="0">
+              <a:lnSpc>
+                <a:spcPct val="200000"/>
+              </a:lnSpc>
+              <a:buClr>
+                <a:schemeClr val="dk1"/>
+              </a:buClr>
+              <a:buSzPts val="935"/>
+              <a:buNone/>
+            </a:pPr>
+            <a:r>
               <a:rPr lang="en-US" sz="1050" b="1" dirty="0">
                 <a:solidFill>
                   <a:schemeClr val="dk1"/>
                 </a:solidFill>
               </a:rPr>
-              <a:t>Final refined low-dimension representations</a:t>
+              <a:t>Final refined low-dimension representations from trained encoder part</a:t>
             </a:r>
           </a:p>
         </p:txBody>
@@ -7191,7 +7211,7 @@
         </p:blipFill>
         <p:spPr>
           <a:xfrm>
-            <a:off x="973872" y="2764230"/>
+            <a:off x="1040779" y="2920347"/>
             <a:ext cx="6556917" cy="2139194"/>
           </a:xfrm>
           <a:prstGeom prst="rect">
@@ -7313,7 +7333,15 @@
                   <a:schemeClr val="dk1"/>
                 </a:solidFill>
               </a:rPr>
-              <a:t>Evaluation difficult to quantize -&gt; human evaluation</a:t>
+              <a:t>Evaluation difficult to quantify -&gt; </a:t>
+            </a:r>
+            <a:r>
+              <a:rPr lang="en-US" sz="1050" b="1" dirty="0">
+                <a:solidFill>
+                  <a:srgbClr val="FF0000"/>
+                </a:solidFill>
+              </a:rPr>
+              <a:t>human evaluation by listening</a:t>
             </a:r>
           </a:p>
           <a:p>
@@ -7335,7 +7363,7 @@
             </a:pPr>
             <a:endParaRPr lang="en-US" sz="1050" b="1" dirty="0">
               <a:solidFill>
-                <a:schemeClr val="dk1"/>
+                <a:srgbClr val="FF0000"/>
               </a:solidFill>
             </a:endParaRPr>
           </a:p>
@@ -7362,7 +7390,7 @@
                   <a:schemeClr val="dk1"/>
                 </a:solidFill>
               </a:rPr>
-              <a:t>Thinks to consider: </a:t>
+              <a:t>Things to consider: </a:t>
             </a:r>
             <a:r>
               <a:rPr lang="en-US" sz="1050" dirty="0">
@@ -7431,7 +7459,7 @@
                   <a:schemeClr val="dk1"/>
                 </a:solidFill>
               </a:rPr>
-              <a:t>40 experiments, randomly queried songs</a:t>
+              <a:t>20 experiments, randomly queried songs, 3 of which are presented in the report</a:t>
             </a:r>
           </a:p>
           <a:p>
@@ -7450,7 +7478,7 @@
                   <a:schemeClr val="dk1"/>
                 </a:solidFill>
               </a:rPr>
-              <a:t>Top 5 similar </a:t>
+              <a:t>Top 5 similar recommendations</a:t>
             </a:r>
           </a:p>
         </p:txBody>
@@ -7479,36 +7507,6 @@
           <a:xfrm>
             <a:off x="666695" y="3928740"/>
             <a:ext cx="4410691" cy="952633"/>
-          </a:xfrm>
-          <a:prstGeom prst="rect">
-            <a:avLst/>
-          </a:prstGeom>
-        </p:spPr>
-      </p:pic>
-      <p:pic>
-        <p:nvPicPr>
-          <p:cNvPr id="6" name="Εικόνα 5" descr="Εικόνα που περιέχει κείμενο, στιγμιότυπο οθόνης, γραμματοσειρά, αριθμός&#10;&#10;Περιγραφή που δημιουργήθηκε αυτόματα">
-            <a:extLst>
-              <a:ext uri="{FF2B5EF4-FFF2-40B4-BE49-F238E27FC236}">
-                <a16:creationId xmlns:a16="http://schemas.microsoft.com/office/drawing/2014/main" id="{92F924E0-527E-A6F6-0AB0-90F3E1016E75}"/>
-              </a:ext>
-            </a:extLst>
-          </p:cNvPr>
-          <p:cNvPicPr>
-            <a:picLocks noChangeAspect="1"/>
-          </p:cNvPicPr>
-          <p:nvPr/>
-        </p:nvPicPr>
-        <p:blipFill>
-          <a:blip r:embed="rId4"/>
-          <a:stretch>
-            <a:fillRect/>
-          </a:stretch>
-        </p:blipFill>
-        <p:spPr>
-          <a:xfrm>
-            <a:off x="628589" y="2764933"/>
-            <a:ext cx="4572638" cy="924054"/>
           </a:xfrm>
           <a:prstGeom prst="rect">
             <a:avLst/>
@@ -7572,7 +7570,7 @@
         </p:nvSpPr>
         <p:spPr>
           <a:xfrm>
-            <a:off x="5077386" y="4097279"/>
+            <a:off x="5077386" y="4320327"/>
             <a:ext cx="3358612" cy="523220"/>
           </a:xfrm>
           <a:prstGeom prst="rect">
@@ -7600,6 +7598,36 @@
           </a:p>
         </p:txBody>
       </p:sp>
+      <p:pic>
+        <p:nvPicPr>
+          <p:cNvPr id="4" name="Εικόνα 3" descr="Εικόνα που περιέχει κείμενο, στιγμιότυπο οθόνης, γραμματοσειρά&#10;&#10;Περιγραφή που δημιουργήθηκε αυτόματα">
+            <a:extLst>
+              <a:ext uri="{FF2B5EF4-FFF2-40B4-BE49-F238E27FC236}">
+                <a16:creationId xmlns:a16="http://schemas.microsoft.com/office/drawing/2014/main" id="{A3C8129D-3FC7-C3A2-6571-673F5715A7A2}"/>
+              </a:ext>
+            </a:extLst>
+          </p:cNvPr>
+          <p:cNvPicPr>
+            <a:picLocks noChangeAspect="1"/>
+          </p:cNvPicPr>
+          <p:nvPr/>
+        </p:nvPicPr>
+        <p:blipFill>
+          <a:blip r:embed="rId4"/>
+          <a:stretch>
+            <a:fillRect/>
+          </a:stretch>
+        </p:blipFill>
+        <p:spPr>
+          <a:xfrm>
+            <a:off x="1457381" y="2840563"/>
+            <a:ext cx="3620005" cy="885949"/>
+          </a:xfrm>
+          <a:prstGeom prst="rect">
+            <a:avLst/>
+          </a:prstGeom>
+        </p:spPr>
+      </p:pic>
     </p:spTree>
     <p:extLst>
       <p:ext uri="{BB962C8B-B14F-4D97-AF65-F5344CB8AC3E}">
@@ -7817,32 +7845,21 @@
               <a:buChar char="●"/>
             </a:pPr>
             <a:r>
-              <a:rPr lang="en" sz="1400" dirty="0">
+              <a:rPr lang="en" dirty="0">
                 <a:solidFill>
                   <a:schemeClr val="dk1"/>
                 </a:solidFill>
               </a:rPr>
               <a:t>Introduction</a:t>
             </a:r>
-          </a:p>
-          <a:p>
-            <a:pPr marL="457200" lvl="0" indent="-298450" algn="l" rtl="0">
-              <a:lnSpc>
-                <a:spcPct val="100000"/>
-              </a:lnSpc>
-              <a:spcBef>
-                <a:spcPts val="0"/>
-              </a:spcBef>
-              <a:spcAft>
-                <a:spcPts val="0"/>
-              </a:spcAft>
-              <a:buClr>
-                <a:schemeClr val="dk1"/>
-              </a:buClr>
-              <a:buSzPts val="1100"/>
-              <a:buChar char="●"/>
-            </a:pPr>
-            <a:endParaRPr lang="en" sz="1400" dirty="0">
+            <a:br>
+              <a:rPr lang="en" dirty="0">
+                <a:solidFill>
+                  <a:schemeClr val="dk1"/>
+                </a:solidFill>
+              </a:rPr>
+            </a:br>
+            <a:endParaRPr lang="en" dirty="0">
               <a:solidFill>
                 <a:schemeClr val="dk1"/>
               </a:solidFill>
@@ -7866,14 +7883,14 @@
               <a:buChar char="●"/>
             </a:pPr>
             <a:r>
-              <a:rPr lang="en" sz="1400" dirty="0">
+              <a:rPr lang="en" dirty="0">
                 <a:solidFill>
                   <a:schemeClr val="dk1"/>
                 </a:solidFill>
               </a:rPr>
               <a:t>Our Approach</a:t>
             </a:r>
-            <a:endParaRPr sz="1400" dirty="0">
+            <a:endParaRPr dirty="0">
               <a:solidFill>
                 <a:schemeClr val="dk1"/>
               </a:solidFill>
@@ -7897,14 +7914,14 @@
               <a:buChar char="●"/>
             </a:pPr>
             <a:r>
-              <a:rPr lang="en" sz="1400" dirty="0">
+              <a:rPr lang="en" dirty="0">
                 <a:solidFill>
                   <a:schemeClr val="dk1"/>
                 </a:solidFill>
               </a:rPr>
-              <a:t>Dataset</a:t>
+              <a:t>Datasets </a:t>
             </a:r>
-            <a:endParaRPr sz="1400" dirty="0">
+            <a:endParaRPr dirty="0">
               <a:solidFill>
                 <a:schemeClr val="dk1"/>
               </a:solidFill>
@@ -7928,14 +7945,14 @@
               <a:buChar char="●"/>
             </a:pPr>
             <a:r>
-              <a:rPr lang="en" sz="1400" dirty="0">
+              <a:rPr lang="en" dirty="0">
                 <a:solidFill>
                   <a:schemeClr val="dk1"/>
                 </a:solidFill>
               </a:rPr>
               <a:t>Architectures/Models</a:t>
             </a:r>
-            <a:endParaRPr sz="1400" dirty="0">
+            <a:endParaRPr dirty="0">
               <a:solidFill>
                 <a:schemeClr val="dk1"/>
               </a:solidFill>
@@ -7959,14 +7976,14 @@
               <a:buChar char="●"/>
             </a:pPr>
             <a:r>
-              <a:rPr lang="en-US" sz="1400" dirty="0">
+              <a:rPr lang="en-US" dirty="0">
                 <a:solidFill>
                   <a:schemeClr val="dk1"/>
                 </a:solidFill>
               </a:rPr>
               <a:t>Final representation</a:t>
             </a:r>
-            <a:endParaRPr sz="1400" dirty="0">
+            <a:endParaRPr dirty="0">
               <a:solidFill>
                 <a:schemeClr val="dk1"/>
               </a:solidFill>
@@ -7990,14 +8007,14 @@
               <a:buChar char="●"/>
             </a:pPr>
             <a:r>
-              <a:rPr lang="en" sz="1400" dirty="0">
+              <a:rPr lang="en" dirty="0">
                 <a:solidFill>
                   <a:schemeClr val="dk1"/>
                 </a:solidFill>
               </a:rPr>
-              <a:t>Experiments</a:t>
+              <a:t>Experiments/Retrieval</a:t>
             </a:r>
-            <a:endParaRPr sz="1400" dirty="0">
+            <a:endParaRPr dirty="0">
               <a:solidFill>
                 <a:schemeClr val="dk1"/>
               </a:solidFill>
@@ -8026,8 +8043,8 @@
         </p:blipFill>
         <p:spPr>
           <a:xfrm>
-            <a:off x="4899507" y="1263805"/>
-            <a:ext cx="3601510" cy="2319454"/>
+            <a:off x="4497443" y="1263805"/>
+            <a:ext cx="4003574" cy="2578392"/>
           </a:xfrm>
           <a:prstGeom prst="rect">
             <a:avLst/>
@@ -8084,7 +8101,7 @@
           </a:bodyPr>
           <a:lstStyle/>
           <a:p>
-            <a:pPr marL="0" lvl="0" indent="0" algn="l" rtl="0">
+            <a:pPr marL="0" lvl="0" indent="0" algn="ctr" rtl="0">
               <a:spcBef>
                 <a:spcPts val="0"/>
               </a:spcBef>
@@ -8103,138 +8120,121 @@
       </p:sp>
       <p:sp>
         <p:nvSpPr>
-          <p:cNvPr id="73" name="Google Shape;73;p15"/>
-          <p:cNvSpPr txBox="1">
-            <a:spLocks noGrp="1"/>
-          </p:cNvSpPr>
-          <p:nvPr>
-            <p:ph type="body" idx="1"/>
-          </p:nvPr>
+          <p:cNvPr id="2" name="TextBox 1">
+            <a:extLst>
+              <a:ext uri="{FF2B5EF4-FFF2-40B4-BE49-F238E27FC236}">
+                <a16:creationId xmlns:a16="http://schemas.microsoft.com/office/drawing/2014/main" id="{57560945-4537-3789-E239-DF18BB35A252}"/>
+              </a:ext>
+            </a:extLst>
+          </p:cNvPr>
+          <p:cNvSpPr txBox="1"/>
+          <p:nvPr/>
         </p:nvSpPr>
         <p:spPr>
           <a:xfrm>
-            <a:off x="464100" y="1177875"/>
-            <a:ext cx="4280400" cy="3416400"/>
+            <a:off x="403538" y="1073239"/>
+            <a:ext cx="8428762" cy="3877985"/>
           </a:xfrm>
           <a:prstGeom prst="rect">
             <a:avLst/>
           </a:prstGeom>
+          <a:noFill/>
         </p:spPr>
         <p:txBody>
-          <a:bodyPr spcFirstLastPara="1" wrap="square" lIns="91425" tIns="91425" rIns="91425" bIns="91425" anchor="ctr" anchorCtr="0">
-            <a:normAutofit/>
+          <a:bodyPr wrap="square" rtlCol="0">
+            <a:spAutoFit/>
           </a:bodyPr>
           <a:lstStyle/>
           <a:p>
-            <a:pPr marL="457200" lvl="0" indent="-317500" algn="l" rtl="0">
-              <a:spcBef>
-                <a:spcPts val="0"/>
-              </a:spcBef>
-              <a:spcAft>
-                <a:spcPts val="0"/>
-              </a:spcAft>
-              <a:buClr>
-                <a:schemeClr val="dk1"/>
-              </a:buClr>
-              <a:buSzPts val="1400"/>
-              <a:buChar char="●"/>
+            <a:pPr algn="ctr"/>
+            <a:r>
+              <a:rPr lang="en-US" sz="1800" b="1" dirty="0"/>
+              <a:t>Motivation</a:t>
+            </a:r>
+          </a:p>
+          <a:p>
+            <a:pPr algn="ctr"/>
+            <a:endParaRPr lang="en-US" sz="1800" b="1" dirty="0"/>
+          </a:p>
+          <a:p>
+            <a:pPr marL="285750" indent="-285750">
+              <a:buFont typeface="Arial" panose="020B0604020202020204" pitchFamily="34" charset="0"/>
+              <a:buChar char="•"/>
             </a:pPr>
             <a:r>
-              <a:rPr lang="en-US" sz="1400" dirty="0">
-                <a:solidFill>
-                  <a:schemeClr val="dk1"/>
-                </a:solidFill>
-              </a:rPr>
-              <a:t>Similarity is subjective</a:t>
+              <a:rPr lang="en-US" sz="1600" dirty="0"/>
+              <a:t>Combine different features-elements of audio in a combined representation.</a:t>
             </a:r>
-            <a:endParaRPr sz="1400" dirty="0">
-              <a:solidFill>
-                <a:schemeClr val="dk1"/>
-              </a:solidFill>
-            </a:endParaRPr>
-          </a:p>
-          <a:p>
-            <a:pPr marL="457200" lvl="0" indent="0" algn="l" rtl="0">
-              <a:spcBef>
-                <a:spcPts val="1200"/>
-              </a:spcBef>
-              <a:spcAft>
-                <a:spcPts val="0"/>
-              </a:spcAft>
-              <a:buNone/>
-            </a:pPr>
-            <a:endParaRPr sz="1400" dirty="0">
-              <a:solidFill>
-                <a:schemeClr val="dk1"/>
-              </a:solidFill>
-            </a:endParaRPr>
-          </a:p>
-          <a:p>
-            <a:pPr marL="457200" lvl="0" indent="-317500" algn="l" rtl="0">
-              <a:spcBef>
-                <a:spcPts val="1200"/>
-              </a:spcBef>
-              <a:spcAft>
-                <a:spcPts val="0"/>
-              </a:spcAft>
-              <a:buClr>
-                <a:schemeClr val="dk1"/>
-              </a:buClr>
-              <a:buSzPts val="1400"/>
-              <a:buChar char="●"/>
+            <a:br>
+              <a:rPr lang="en-US" sz="1600" dirty="0"/>
+            </a:br>
+            <a:endParaRPr lang="en-US" sz="1600" dirty="0"/>
+          </a:p>
+          <a:p>
+            <a:pPr marL="285750" indent="-285750">
+              <a:buFont typeface="Arial" panose="020B0604020202020204" pitchFamily="34" charset="0"/>
+              <a:buChar char="•"/>
             </a:pPr>
             <a:r>
-              <a:rPr lang="en-US" sz="1400" dirty="0">
-                <a:solidFill>
-                  <a:schemeClr val="dk1"/>
-                </a:solidFill>
-              </a:rPr>
-              <a:t>Lot of features</a:t>
+              <a:rPr lang="en-US" sz="1600" dirty="0"/>
+              <a:t>Focus on specific audio characteristics for song retrieval (genre, emotion, metadata).</a:t>
             </a:r>
           </a:p>
           <a:p>
-            <a:pPr marL="457200" lvl="0" indent="-317500" algn="l" rtl="0">
-              <a:spcBef>
-                <a:spcPts val="1200"/>
-              </a:spcBef>
-              <a:spcAft>
-                <a:spcPts val="0"/>
-              </a:spcAft>
-              <a:buClr>
-                <a:schemeClr val="dk1"/>
-              </a:buClr>
-              <a:buSzPts val="1400"/>
-              <a:buChar char="●"/>
+            <a:pPr marL="285750" indent="-285750">
+              <a:buFont typeface="Arial" panose="020B0604020202020204" pitchFamily="34" charset="0"/>
+              <a:buChar char="•"/>
+            </a:pPr>
+            <a:endParaRPr lang="en-US" sz="1600" dirty="0"/>
+          </a:p>
+          <a:p>
+            <a:pPr marL="285750" indent="-285750">
+              <a:buFont typeface="Arial" panose="020B0604020202020204" pitchFamily="34" charset="0"/>
+              <a:buChar char="•"/>
             </a:pPr>
             <a:r>
-              <a:rPr lang="en-US" sz="1400" dirty="0">
-                <a:solidFill>
-                  <a:schemeClr val="dk1"/>
-                </a:solidFill>
-              </a:rPr>
-              <a:t>High dimensionality-&gt;complex similarity retrieval!</a:t>
+              <a:rPr lang="en-US" sz="1600" dirty="0"/>
+              <a:t>Create multiple audio representations and perform dimensionality reduction.</a:t>
             </a:r>
-            <a:endParaRPr sz="1400" dirty="0">
-              <a:solidFill>
-                <a:schemeClr val="dk1"/>
-              </a:solidFill>
-            </a:endParaRPr>
-          </a:p>
-          <a:p>
-            <a:pPr marL="457200" lvl="0" indent="0" algn="l" rtl="0">
-              <a:spcBef>
-                <a:spcPts val="1200"/>
-              </a:spcBef>
-              <a:spcAft>
-                <a:spcPts val="0"/>
-              </a:spcAft>
-              <a:buNone/>
+          </a:p>
+          <a:p>
+            <a:endParaRPr lang="en-US" sz="1600" dirty="0"/>
+          </a:p>
+          <a:p>
+            <a:pPr algn="ctr"/>
+            <a:r>
+              <a:rPr lang="en-US" sz="1800" b="1" dirty="0"/>
+              <a:t>Goal</a:t>
+            </a:r>
+            <a:br>
+              <a:rPr lang="en-US" sz="1600" b="1" dirty="0"/>
+            </a:br>
+            <a:endParaRPr lang="en-US" sz="1600" b="1" dirty="0"/>
+          </a:p>
+          <a:p>
+            <a:pPr marL="285750" indent="-285750" algn="just">
+              <a:buFont typeface="Arial" panose="020B0604020202020204" pitchFamily="34" charset="0"/>
+              <a:buChar char="•"/>
             </a:pPr>
-            <a:endParaRPr sz="1400" dirty="0">
-              <a:solidFill>
-                <a:schemeClr val="dk1"/>
-              </a:solidFill>
-            </a:endParaRPr>
+            <a:r>
+              <a:rPr lang="en-US" sz="1600" dirty="0"/>
+              <a:t>Create a multimodal model that can retrieve similar songs based on a query song.</a:t>
+            </a:r>
+          </a:p>
+          <a:p>
+            <a:endParaRPr lang="en-US" sz="1600" dirty="0"/>
+          </a:p>
+          <a:p>
+            <a:pPr algn="ctr"/>
+            <a:endParaRPr lang="en-US" sz="1600" b="1" dirty="0"/>
+          </a:p>
+          <a:p>
+            <a:pPr algn="ctr"/>
+            <a:endParaRPr lang="en-US" sz="1600" b="1" dirty="0"/>
+          </a:p>
+          <a:p>
+            <a:pPr algn="ctr"/>
+            <a:endParaRPr lang="en-US" sz="1600" b="1" dirty="0"/>
           </a:p>
         </p:txBody>
       </p:sp>
@@ -8288,7 +8288,7 @@
           </a:bodyPr>
           <a:lstStyle/>
           <a:p>
-            <a:pPr marL="0" lvl="0" indent="0" algn="l" rtl="0">
+            <a:pPr marL="0" lvl="0" indent="0" algn="ctr" rtl="0">
               <a:spcBef>
                 <a:spcPts val="0"/>
               </a:spcBef>
@@ -8317,8 +8317,8 @@
         </p:nvSpPr>
         <p:spPr>
           <a:xfrm>
-            <a:off x="498675" y="1177875"/>
-            <a:ext cx="4325212" cy="2904300"/>
+            <a:off x="498675" y="1177874"/>
+            <a:ext cx="4325212" cy="3754733"/>
           </a:xfrm>
           <a:prstGeom prst="rect">
             <a:avLst/>
@@ -8330,6 +8330,22 @@
           </a:bodyPr>
           <a:lstStyle/>
           <a:p>
+            <a:pPr marL="285750" indent="-285750">
+              <a:lnSpc>
+                <a:spcPct val="95000"/>
+              </a:lnSpc>
+              <a:buSzPts val="852"/>
+            </a:pPr>
+            <a:r>
+              <a:rPr lang="en-US" sz="1400" b="1" dirty="0">
+                <a:solidFill>
+                  <a:schemeClr val="tx1"/>
+                </a:solidFill>
+              </a:rPr>
+              <a:t>Representation learning:</a:t>
+            </a:r>
+          </a:p>
+          <a:p>
             <a:pPr marL="0" lvl="0" indent="0" rtl="0">
               <a:lnSpc>
                 <a:spcPct val="95000"/>
@@ -8344,44 +8360,18 @@
               <a:buNone/>
             </a:pPr>
             <a:r>
-              <a:rPr lang="en-US" sz="1400" b="1" dirty="0">
+              <a:rPr lang="en-US" sz="1400" dirty="0">
                 <a:solidFill>
                   <a:schemeClr val="tx1"/>
                 </a:solidFill>
               </a:rPr>
-              <a:t> Representation learning:</a:t>
+              <a:t>Use of latent space representations to reduce dimensionality</a:t>
             </a:r>
-          </a:p>
-          <a:p>
-            <a:pPr marL="0" lvl="0" indent="0" rtl="0">
-              <a:lnSpc>
-                <a:spcPct val="95000"/>
-              </a:lnSpc>
-              <a:spcBef>
-                <a:spcPts val="0"/>
-              </a:spcBef>
-              <a:spcAft>
-                <a:spcPts val="0"/>
-              </a:spcAft>
-              <a:buSzPts val="852"/>
-              <a:buNone/>
-            </a:pPr>
-            <a:r>
-              <a:rPr lang="en-US" sz="1400" b="1" dirty="0">
-                <a:solidFill>
-                  <a:schemeClr val="tx1"/>
-                </a:solidFill>
-              </a:rPr>
-              <a:t>	</a:t>
-            </a:r>
-            <a:r>
-              <a:rPr lang="en-US" sz="1200" dirty="0">
-                <a:solidFill>
-                  <a:schemeClr val="tx1"/>
-                </a:solidFill>
-              </a:rPr>
-              <a:t>Use of latent space representations to reduce 	dimensionality</a:t>
-            </a:r>
+            <a:endParaRPr lang="en-US" sz="1200" dirty="0">
+              <a:solidFill>
+                <a:schemeClr val="tx1"/>
+              </a:solidFill>
+            </a:endParaRPr>
           </a:p>
           <a:p>
             <a:pPr marL="0" lvl="0" indent="0" rtl="0">
@@ -8404,63 +8394,40 @@
             </a:endParaRPr>
           </a:p>
           <a:p>
-            <a:pPr marL="0" lvl="0" indent="0" rtl="0">
-              <a:lnSpc>
-                <a:spcPct val="95000"/>
-              </a:lnSpc>
-              <a:spcBef>
-                <a:spcPts val="0"/>
-              </a:spcBef>
-              <a:spcAft>
-                <a:spcPts val="0"/>
-              </a:spcAft>
-              <a:buSzPts val="852"/>
-              <a:buNone/>
-            </a:pPr>
-            <a:endParaRPr lang="en-US" sz="1200" dirty="0">
-              <a:solidFill>
-                <a:schemeClr val="tx1"/>
-              </a:solidFill>
-            </a:endParaRPr>
-          </a:p>
-          <a:p>
-            <a:pPr marL="0" lvl="0" indent="0" rtl="0">
-              <a:lnSpc>
-                <a:spcPct val="95000"/>
-              </a:lnSpc>
-              <a:spcBef>
-                <a:spcPts val="0"/>
-              </a:spcBef>
-              <a:spcAft>
-                <a:spcPts val="0"/>
-              </a:spcAft>
-              <a:buSzPts val="852"/>
-              <a:buNone/>
-            </a:pPr>
-            <a:r>
-              <a:rPr lang="en-US" sz="1200" b="1" dirty="0">
-                <a:solidFill>
-                  <a:schemeClr val="tx1"/>
-                </a:solidFill>
-              </a:rPr>
-              <a:t>Supervised representation learning:</a:t>
-            </a:r>
-          </a:p>
-          <a:p>
-            <a:pPr marL="171450" indent="-171450">
+            <a:pPr marL="285750" indent="-285750">
               <a:lnSpc>
                 <a:spcPct val="95000"/>
               </a:lnSpc>
               <a:buSzPts val="852"/>
             </a:pPr>
             <a:r>
-              <a:rPr lang="en-US" sz="1200" dirty="0">
+              <a:rPr lang="en-US" sz="1400" b="1" dirty="0">
                 <a:solidFill>
                   <a:schemeClr val="tx1"/>
                 </a:solidFill>
               </a:rPr>
-              <a:t>CNN classifier models:</a:t>
+              <a:t>Supervised learning (Classification):</a:t>
             </a:r>
+          </a:p>
+          <a:p>
+            <a:pPr marL="0" lvl="0" indent="0" rtl="0">
+              <a:lnSpc>
+                <a:spcPct val="95000"/>
+              </a:lnSpc>
+              <a:spcBef>
+                <a:spcPts val="0"/>
+              </a:spcBef>
+              <a:spcAft>
+                <a:spcPts val="0"/>
+              </a:spcAft>
+              <a:buSzPts val="852"/>
+              <a:buNone/>
+            </a:pPr>
+            <a:endParaRPr lang="en-US" sz="1400" b="1" dirty="0">
+              <a:solidFill>
+                <a:schemeClr val="tx1"/>
+              </a:solidFill>
+            </a:endParaRPr>
           </a:p>
           <a:p>
             <a:pPr marL="0" indent="0">
@@ -8471,12 +8438,20 @@
               <a:buNone/>
             </a:pPr>
             <a:r>
-              <a:rPr lang="en-US" sz="1200" dirty="0">
+              <a:rPr lang="en-US" sz="1400" b="1" dirty="0">
                 <a:solidFill>
                   <a:schemeClr val="tx1"/>
                 </a:solidFill>
               </a:rPr>
-              <a:t>	- Genre</a:t>
+              <a:t>CNN</a:t>
+            </a:r>
+            <a:r>
+              <a:rPr lang="en-US" sz="1400" dirty="0">
+                <a:solidFill>
+                  <a:schemeClr val="tx1"/>
+                </a:solidFill>
+              </a:rPr>
+              <a:t> classifier models:</a:t>
             </a:r>
           </a:p>
           <a:p>
@@ -8488,7 +8463,24 @@
               <a:buNone/>
             </a:pPr>
             <a:r>
-              <a:rPr lang="en-US" sz="1200" dirty="0">
+              <a:rPr lang="en-US" sz="1400" dirty="0">
+                <a:solidFill>
+                  <a:schemeClr val="tx1"/>
+                </a:solidFill>
+              </a:rPr>
+              <a:t>	- Genre</a:t>
+            </a:r>
+          </a:p>
+          <a:p>
+            <a:pPr marL="0" indent="0">
+              <a:lnSpc>
+                <a:spcPct val="95000"/>
+              </a:lnSpc>
+              <a:buSzPts val="852"/>
+              <a:buNone/>
+            </a:pPr>
+            <a:r>
+              <a:rPr lang="en-US" sz="1400" dirty="0">
                 <a:solidFill>
                   <a:schemeClr val="tx1"/>
                 </a:solidFill>
@@ -8497,83 +8489,34 @@
             </a:r>
           </a:p>
           <a:p>
-            <a:pPr marL="171450" indent="-171450">
+            <a:pPr marL="0" indent="0">
+              <a:lnSpc>
+                <a:spcPct val="95000"/>
+              </a:lnSpc>
+              <a:buSzPts val="852"/>
+              <a:buNone/>
+            </a:pPr>
+            <a:endParaRPr lang="en-US" sz="1400" dirty="0">
+              <a:solidFill>
+                <a:schemeClr val="tx1"/>
+              </a:solidFill>
+            </a:endParaRPr>
+          </a:p>
+          <a:p>
+            <a:pPr marL="285750" indent="-285750">
               <a:lnSpc>
                 <a:spcPct val="95000"/>
               </a:lnSpc>
               <a:buSzPts val="852"/>
             </a:pPr>
             <a:r>
-              <a:rPr lang="en-US" sz="1200" dirty="0">
+              <a:rPr lang="en-US" sz="1400" b="1" dirty="0">
                 <a:solidFill>
                   <a:schemeClr val="tx1"/>
                 </a:solidFill>
               </a:rPr>
-              <a:t>Additional metadata</a:t>
+              <a:t>Unsupervised learning</a:t>
             </a:r>
-          </a:p>
-          <a:p>
-            <a:pPr marL="457200" lvl="1" indent="0">
-              <a:lnSpc>
-                <a:spcPct val="95000"/>
-              </a:lnSpc>
-              <a:buSzPts val="852"/>
-              <a:buNone/>
-            </a:pPr>
-            <a:r>
-              <a:rPr lang="en-US" sz="1000" dirty="0">
-                <a:solidFill>
-                  <a:schemeClr val="tx1"/>
-                </a:solidFill>
-              </a:rPr>
-              <a:t>	- Artist, year, energy, </a:t>
-            </a:r>
-            <a:r>
-              <a:rPr lang="en-US" sz="1000" dirty="0" err="1">
-                <a:solidFill>
-                  <a:schemeClr val="tx1"/>
-                </a:solidFill>
-              </a:rPr>
-              <a:t>dancability</a:t>
-            </a:r>
-            <a:r>
-              <a:rPr lang="en-US" sz="1000" dirty="0">
-                <a:solidFill>
-                  <a:schemeClr val="tx1"/>
-                </a:solidFill>
-              </a:rPr>
-              <a:t>, valence, tempo </a:t>
-            </a:r>
-            <a:r>
-              <a:rPr lang="en-US" sz="1000" dirty="0" err="1">
-                <a:solidFill>
-                  <a:schemeClr val="tx1"/>
-                </a:solidFill>
-              </a:rPr>
-              <a:t>etc</a:t>
-            </a:r>
-            <a:r>
-              <a:rPr lang="en-US" sz="800" dirty="0">
-                <a:solidFill>
-                  <a:schemeClr val="tx1"/>
-                </a:solidFill>
-              </a:rPr>
-              <a:t>…</a:t>
-            </a:r>
-          </a:p>
-          <a:p>
-            <a:pPr marL="457200" lvl="1" indent="0">
-              <a:lnSpc>
-                <a:spcPct val="95000"/>
-              </a:lnSpc>
-              <a:buSzPts val="852"/>
-              <a:buNone/>
-            </a:pPr>
-            <a:endParaRPr lang="en-US" sz="800" dirty="0">
-              <a:solidFill>
-                <a:schemeClr val="tx1"/>
-              </a:solidFill>
-            </a:endParaRPr>
           </a:p>
           <a:p>
             <a:pPr marL="0" indent="0">
@@ -8583,30 +8526,31 @@
               <a:buSzPts val="852"/>
               <a:buNone/>
             </a:pPr>
-            <a:endParaRPr lang="en-US" sz="1200" dirty="0">
+            <a:endParaRPr lang="en-US" sz="1400" b="1" dirty="0">
               <a:solidFill>
                 <a:schemeClr val="tx1"/>
               </a:solidFill>
             </a:endParaRPr>
           </a:p>
           <a:p>
-            <a:pPr marL="171450" indent="-171450">
+            <a:pPr marL="0" indent="0" algn="just">
               <a:lnSpc>
                 <a:spcPct val="95000"/>
               </a:lnSpc>
               <a:buSzPts val="852"/>
+              <a:buNone/>
             </a:pPr>
             <a:r>
-              <a:rPr lang="en-US" sz="1200" dirty="0">
+              <a:rPr lang="en-US" sz="1400" b="1" dirty="0">
                 <a:solidFill>
                   <a:schemeClr val="tx1"/>
                 </a:solidFill>
               </a:rPr>
-              <a:t>Autoencoder: </a:t>
+              <a:t>Autoencoder</a:t>
             </a:r>
           </a:p>
           <a:p>
-            <a:pPr marL="0" indent="0">
+            <a:pPr marL="0" indent="0" algn="just">
               <a:lnSpc>
                 <a:spcPct val="95000"/>
               </a:lnSpc>
@@ -8614,12 +8558,12 @@
               <a:buNone/>
             </a:pPr>
             <a:r>
-              <a:rPr lang="en-US" sz="1200" dirty="0">
+              <a:rPr lang="en-US" sz="1400" dirty="0">
                 <a:solidFill>
                   <a:schemeClr val="tx1"/>
                 </a:solidFill>
               </a:rPr>
-              <a:t>	- Final latent representation of all characteristics</a:t>
+              <a:t>Final latent representation of all characteristics and additional metadata (Artist, year, energy, danceability, valence, tempo)</a:t>
             </a:r>
           </a:p>
         </p:txBody>
@@ -10271,8 +10215,8 @@
         </p:nvSpPr>
         <p:spPr>
           <a:xfrm>
-            <a:off x="483220" y="1383982"/>
-            <a:ext cx="4207727" cy="3108543"/>
+            <a:off x="460919" y="1383982"/>
+            <a:ext cx="4111082" cy="3323987"/>
           </a:xfrm>
           <a:prstGeom prst="rect">
             <a:avLst/>
@@ -10291,7 +10235,17 @@
                   <a:schemeClr val="tx1"/>
                 </a:solidFill>
               </a:rPr>
-              <a:t>DEAM per song averaged features</a:t>
+              <a:t>DEAM per song averaged features:</a:t>
+            </a:r>
+          </a:p>
+          <a:p>
+            <a:r>
+              <a:rPr lang="en-US" dirty="0">
+                <a:solidFill>
+                  <a:schemeClr val="tx1"/>
+                </a:solidFill>
+              </a:rPr>
+              <a:t>- Classify based on valence + arousal</a:t>
             </a:r>
           </a:p>
           <a:p>
@@ -10335,7 +10289,15 @@
           <a:p>
             <a:r>
               <a:rPr lang="en-US" dirty="0"/>
-              <a:t>Train with deep-audio-features library:</a:t>
+              <a:t>Train with </a:t>
+            </a:r>
+            <a:r>
+              <a:rPr lang="en-US" b="1" dirty="0"/>
+              <a:t>deep-audio-features</a:t>
+            </a:r>
+            <a:r>
+              <a:rPr lang="en-US" dirty="0"/>
+              <a:t> library:</a:t>
             </a:r>
           </a:p>
           <a:p>
@@ -10347,7 +10309,7 @@
           <a:p>
             <a:r>
               <a:rPr lang="en-US" dirty="0"/>
-              <a:t>	-Classify per emotion</a:t>
+              <a:t>	- CNN classification on emotion labels</a:t>
             </a:r>
           </a:p>
           <a:p>
@@ -10400,7 +10362,7 @@
         </p:blipFill>
         <p:spPr>
           <a:xfrm>
-            <a:off x="4518284" y="1383982"/>
+            <a:off x="4572000" y="1383982"/>
             <a:ext cx="4389500" cy="2636748"/>
           </a:xfrm>
           <a:prstGeom prst="rect">
